--- a/パワポ/fig/quad-rotor.pptx
+++ b/パワポ/fig/quad-rotor.pptx
@@ -7,6 +7,7 @@
   <p:sldIdLst>
     <p:sldId id="256" r:id="rId2"/>
     <p:sldId id="257" r:id="rId3"/>
+    <p:sldId id="258" r:id="rId4"/>
   </p:sldIdLst>
   <p:sldSz cx="12192000" cy="6858000"/>
   <p:notesSz cx="6858000" cy="9144000"/>
@@ -244,7 +245,7 @@
           <a:p>
             <a:fld id="{B2167E32-36BD-4F78-9E37-548E2B94B7E6}" type="datetimeFigureOut">
               <a:rPr kumimoji="1" lang="ja-JP" altLang="en-US" smtClean="0"/>
-              <a:t>2019/7/24</a:t>
+              <a:t>2019/12/27</a:t>
             </a:fld>
             <a:endParaRPr kumimoji="1" lang="ja-JP" altLang="en-US"/>
           </a:p>
@@ -446,7 +447,7 @@
           <a:p>
             <a:fld id="{B2167E32-36BD-4F78-9E37-548E2B94B7E6}" type="datetimeFigureOut">
               <a:rPr kumimoji="1" lang="ja-JP" altLang="en-US" smtClean="0"/>
-              <a:t>2019/7/24</a:t>
+              <a:t>2019/12/27</a:t>
             </a:fld>
             <a:endParaRPr kumimoji="1" lang="ja-JP" altLang="en-US"/>
           </a:p>
@@ -658,7 +659,7 @@
           <a:p>
             <a:fld id="{B2167E32-36BD-4F78-9E37-548E2B94B7E6}" type="datetimeFigureOut">
               <a:rPr kumimoji="1" lang="ja-JP" altLang="en-US" smtClean="0"/>
-              <a:t>2019/7/24</a:t>
+              <a:t>2019/12/27</a:t>
             </a:fld>
             <a:endParaRPr kumimoji="1" lang="ja-JP" altLang="en-US"/>
           </a:p>
@@ -860,7 +861,7 @@
           <a:p>
             <a:fld id="{B2167E32-36BD-4F78-9E37-548E2B94B7E6}" type="datetimeFigureOut">
               <a:rPr kumimoji="1" lang="ja-JP" altLang="en-US" smtClean="0"/>
-              <a:t>2019/7/24</a:t>
+              <a:t>2019/12/27</a:t>
             </a:fld>
             <a:endParaRPr kumimoji="1" lang="ja-JP" altLang="en-US"/>
           </a:p>
@@ -1106,7 +1107,7 @@
           <a:p>
             <a:fld id="{B2167E32-36BD-4F78-9E37-548E2B94B7E6}" type="datetimeFigureOut">
               <a:rPr kumimoji="1" lang="ja-JP" altLang="en-US" smtClean="0"/>
-              <a:t>2019/7/24</a:t>
+              <a:t>2019/12/27</a:t>
             </a:fld>
             <a:endParaRPr kumimoji="1" lang="ja-JP" altLang="en-US"/>
           </a:p>
@@ -1402,7 +1403,7 @@
           <a:p>
             <a:fld id="{B2167E32-36BD-4F78-9E37-548E2B94B7E6}" type="datetimeFigureOut">
               <a:rPr kumimoji="1" lang="ja-JP" altLang="en-US" smtClean="0"/>
-              <a:t>2019/7/24</a:t>
+              <a:t>2019/12/27</a:t>
             </a:fld>
             <a:endParaRPr kumimoji="1" lang="ja-JP" altLang="en-US"/>
           </a:p>
@@ -1833,7 +1834,7 @@
           <a:p>
             <a:fld id="{B2167E32-36BD-4F78-9E37-548E2B94B7E6}" type="datetimeFigureOut">
               <a:rPr kumimoji="1" lang="ja-JP" altLang="en-US" smtClean="0"/>
-              <a:t>2019/7/24</a:t>
+              <a:t>2019/12/27</a:t>
             </a:fld>
             <a:endParaRPr kumimoji="1" lang="ja-JP" altLang="en-US"/>
           </a:p>
@@ -1951,7 +1952,7 @@
           <a:p>
             <a:fld id="{B2167E32-36BD-4F78-9E37-548E2B94B7E6}" type="datetimeFigureOut">
               <a:rPr kumimoji="1" lang="ja-JP" altLang="en-US" smtClean="0"/>
-              <a:t>2019/7/24</a:t>
+              <a:t>2019/12/27</a:t>
             </a:fld>
             <a:endParaRPr kumimoji="1" lang="ja-JP" altLang="en-US"/>
           </a:p>
@@ -2046,7 +2047,7 @@
           <a:p>
             <a:fld id="{B2167E32-36BD-4F78-9E37-548E2B94B7E6}" type="datetimeFigureOut">
               <a:rPr kumimoji="1" lang="ja-JP" altLang="en-US" smtClean="0"/>
-              <a:t>2019/7/24</a:t>
+              <a:t>2019/12/27</a:t>
             </a:fld>
             <a:endParaRPr kumimoji="1" lang="ja-JP" altLang="en-US"/>
           </a:p>
@@ -2355,7 +2356,7 @@
           <a:p>
             <a:fld id="{B2167E32-36BD-4F78-9E37-548E2B94B7E6}" type="datetimeFigureOut">
               <a:rPr kumimoji="1" lang="ja-JP" altLang="en-US" smtClean="0"/>
-              <a:t>2019/7/24</a:t>
+              <a:t>2019/12/27</a:t>
             </a:fld>
             <a:endParaRPr kumimoji="1" lang="ja-JP" altLang="en-US"/>
           </a:p>
@@ -2608,7 +2609,7 @@
           <a:p>
             <a:fld id="{B2167E32-36BD-4F78-9E37-548E2B94B7E6}" type="datetimeFigureOut">
               <a:rPr kumimoji="1" lang="ja-JP" altLang="en-US" smtClean="0"/>
-              <a:t>2019/7/24</a:t>
+              <a:t>2019/12/27</a:t>
             </a:fld>
             <a:endParaRPr kumimoji="1" lang="ja-JP" altLang="en-US"/>
           </a:p>
@@ -2853,7 +2854,7 @@
           <a:p>
             <a:fld id="{B2167E32-36BD-4F78-9E37-548E2B94B7E6}" type="datetimeFigureOut">
               <a:rPr kumimoji="1" lang="ja-JP" altLang="en-US" smtClean="0"/>
-              <a:t>2019/7/24</a:t>
+              <a:t>2019/12/27</a:t>
             </a:fld>
             <a:endParaRPr kumimoji="1" lang="ja-JP" altLang="en-US"/>
           </a:p>
@@ -4871,6 +4872,725 @@
 </p:sld>
 </file>
 
+<file path=ppt/slides/slide3.xml><?xml version="1.0" encoding="utf-8"?>
+<p:sld xmlns:a="http://schemas.openxmlformats.org/drawingml/2006/main" xmlns:r="http://schemas.openxmlformats.org/officeDocument/2006/relationships" xmlns:p="http://schemas.openxmlformats.org/presentationml/2006/main">
+  <p:cSld>
+    <p:spTree>
+      <p:nvGrpSpPr>
+        <p:cNvPr id="1" name=""/>
+        <p:cNvGrpSpPr/>
+        <p:nvPr/>
+      </p:nvGrpSpPr>
+      <p:grpSpPr>
+        <a:xfrm>
+          <a:off x="0" y="0"/>
+          <a:ext cx="0" cy="0"/>
+          <a:chOff x="0" y="0"/>
+          <a:chExt cx="0" cy="0"/>
+        </a:xfrm>
+      </p:grpSpPr>
+      <p:sp>
+        <p:nvSpPr>
+          <p:cNvPr id="2" name="テキスト ボックス 1"/>
+          <p:cNvSpPr txBox="1"/>
+          <p:nvPr/>
+        </p:nvSpPr>
+        <p:spPr>
+          <a:xfrm>
+            <a:off x="2936928" y="1603637"/>
+            <a:ext cx="1215269" cy="646331"/>
+          </a:xfrm>
+          <a:prstGeom prst="rect">
+            <a:avLst/>
+          </a:prstGeom>
+          <a:noFill/>
+          <a:ln w="19050">
+            <a:solidFill>
+              <a:schemeClr val="accent4"/>
+            </a:solidFill>
+          </a:ln>
+        </p:spPr>
+        <p:txBody>
+          <a:bodyPr wrap="none" rtlCol="0">
+            <a:spAutoFit/>
+          </a:bodyPr>
+          <a:lstStyle/>
+          <a:p>
+            <a:pPr algn="ctr"/>
+            <a:r>
+              <a:rPr kumimoji="1" lang="en-US" altLang="ja-JP" dirty="0" smtClean="0">
+                <a:latin typeface="Times New Roman" panose="02020603050405020304" pitchFamily="18" charset="0"/>
+                <a:cs typeface="Times New Roman" panose="02020603050405020304" pitchFamily="18" charset="0"/>
+              </a:rPr>
+              <a:t>Anchor</a:t>
+            </a:r>
+          </a:p>
+          <a:p>
+            <a:pPr algn="ctr"/>
+            <a:r>
+              <a:rPr lang="en-US" altLang="ja-JP" dirty="0" smtClean="0">
+                <a:latin typeface="Times New Roman" panose="02020603050405020304" pitchFamily="18" charset="0"/>
+                <a:cs typeface="Times New Roman" panose="02020603050405020304" pitchFamily="18" charset="0"/>
+              </a:rPr>
+              <a:t>Timestamp</a:t>
+            </a:r>
+            <a:endParaRPr kumimoji="1" lang="ja-JP" altLang="en-US" dirty="0">
+              <a:latin typeface="Times New Roman" panose="02020603050405020304" pitchFamily="18" charset="0"/>
+              <a:cs typeface="Times New Roman" panose="02020603050405020304" pitchFamily="18" charset="0"/>
+            </a:endParaRPr>
+          </a:p>
+        </p:txBody>
+      </p:sp>
+      <p:sp>
+        <p:nvSpPr>
+          <p:cNvPr id="3" name="正方形/長方形 2"/>
+          <p:cNvSpPr/>
+          <p:nvPr/>
+        </p:nvSpPr>
+        <p:spPr>
+          <a:xfrm>
+            <a:off x="6510800" y="1602802"/>
+            <a:ext cx="1224000" cy="648000"/>
+          </a:xfrm>
+          <a:prstGeom prst="rect">
+            <a:avLst/>
+          </a:prstGeom>
+          <a:ln w="19050">
+            <a:solidFill>
+              <a:schemeClr val="accent4"/>
+            </a:solidFill>
+          </a:ln>
+        </p:spPr>
+        <p:txBody>
+          <a:bodyPr wrap="square">
+            <a:spAutoFit/>
+          </a:bodyPr>
+          <a:lstStyle/>
+          <a:p>
+            <a:pPr algn="ctr"/>
+            <a:r>
+              <a:rPr lang="en-US" altLang="ja-JP" dirty="0" smtClean="0">
+                <a:latin typeface="Times New Roman" panose="02020603050405020304" pitchFamily="18" charset="0"/>
+                <a:cs typeface="Times New Roman" panose="02020603050405020304" pitchFamily="18" charset="0"/>
+              </a:rPr>
+              <a:t>Tag</a:t>
+            </a:r>
+            <a:endParaRPr lang="en-US" altLang="ja-JP" dirty="0">
+              <a:latin typeface="Times New Roman" panose="02020603050405020304" pitchFamily="18" charset="0"/>
+              <a:cs typeface="Times New Roman" panose="02020603050405020304" pitchFamily="18" charset="0"/>
+            </a:endParaRPr>
+          </a:p>
+          <a:p>
+            <a:pPr algn="ctr"/>
+            <a:r>
+              <a:rPr lang="en-US" altLang="ja-JP" dirty="0" smtClean="0">
+                <a:latin typeface="Times New Roman" panose="02020603050405020304" pitchFamily="18" charset="0"/>
+                <a:cs typeface="Times New Roman" panose="02020603050405020304" pitchFamily="18" charset="0"/>
+              </a:rPr>
+              <a:t>Timestamp</a:t>
+            </a:r>
+            <a:endParaRPr lang="ja-JP" altLang="en-US" dirty="0">
+              <a:latin typeface="Times New Roman" panose="02020603050405020304" pitchFamily="18" charset="0"/>
+              <a:cs typeface="Times New Roman" panose="02020603050405020304" pitchFamily="18" charset="0"/>
+            </a:endParaRPr>
+          </a:p>
+        </p:txBody>
+      </p:sp>
+      <p:cxnSp>
+        <p:nvCxnSpPr>
+          <p:cNvPr id="5" name="直線コネクタ 4"/>
+          <p:cNvCxnSpPr/>
+          <p:nvPr/>
+        </p:nvCxnSpPr>
+        <p:spPr>
+          <a:xfrm>
+            <a:off x="3564384" y="2237256"/>
+            <a:ext cx="0" cy="3600000"/>
+          </a:xfrm>
+          <a:prstGeom prst="line">
+            <a:avLst/>
+          </a:prstGeom>
+          <a:ln w="38100"/>
+        </p:spPr>
+        <p:style>
+          <a:lnRef idx="1">
+            <a:schemeClr val="accent1"/>
+          </a:lnRef>
+          <a:fillRef idx="0">
+            <a:schemeClr val="accent1"/>
+          </a:fillRef>
+          <a:effectRef idx="0">
+            <a:schemeClr val="accent1"/>
+          </a:effectRef>
+          <a:fontRef idx="minor">
+            <a:schemeClr val="tx1"/>
+          </a:fontRef>
+        </p:style>
+      </p:cxnSp>
+      <p:cxnSp>
+        <p:nvCxnSpPr>
+          <p:cNvPr id="6" name="直線コネクタ 5"/>
+          <p:cNvCxnSpPr/>
+          <p:nvPr/>
+        </p:nvCxnSpPr>
+        <p:spPr>
+          <a:xfrm flipH="1">
+            <a:off x="7134671" y="2237256"/>
+            <a:ext cx="1" cy="3600000"/>
+          </a:xfrm>
+          <a:prstGeom prst="line">
+            <a:avLst/>
+          </a:prstGeom>
+          <a:ln w="38100"/>
+        </p:spPr>
+        <p:style>
+          <a:lnRef idx="1">
+            <a:schemeClr val="accent1"/>
+          </a:lnRef>
+          <a:fillRef idx="0">
+            <a:schemeClr val="accent1"/>
+          </a:fillRef>
+          <a:effectRef idx="0">
+            <a:schemeClr val="accent1"/>
+          </a:effectRef>
+          <a:fontRef idx="minor">
+            <a:schemeClr val="tx1"/>
+          </a:fontRef>
+        </p:style>
+      </p:cxnSp>
+      <p:cxnSp>
+        <p:nvCxnSpPr>
+          <p:cNvPr id="10" name="直線矢印コネクタ 9"/>
+          <p:cNvCxnSpPr/>
+          <p:nvPr/>
+        </p:nvCxnSpPr>
+        <p:spPr>
+          <a:xfrm>
+            <a:off x="3549527" y="2759242"/>
+            <a:ext cx="3600000" cy="360000"/>
+          </a:xfrm>
+          <a:prstGeom prst="straightConnector1">
+            <a:avLst/>
+          </a:prstGeom>
+          <a:ln w="38100">
+            <a:tailEnd type="triangle"/>
+          </a:ln>
+        </p:spPr>
+        <p:style>
+          <a:lnRef idx="1">
+            <a:schemeClr val="accent1"/>
+          </a:lnRef>
+          <a:fillRef idx="0">
+            <a:schemeClr val="accent1"/>
+          </a:fillRef>
+          <a:effectRef idx="0">
+            <a:schemeClr val="accent1"/>
+          </a:effectRef>
+          <a:fontRef idx="minor">
+            <a:schemeClr val="tx1"/>
+          </a:fontRef>
+        </p:style>
+      </p:cxnSp>
+      <p:cxnSp>
+        <p:nvCxnSpPr>
+          <p:cNvPr id="11" name="直線矢印コネクタ 10"/>
+          <p:cNvCxnSpPr/>
+          <p:nvPr/>
+        </p:nvCxnSpPr>
+        <p:spPr>
+          <a:xfrm flipH="1">
+            <a:off x="3534671" y="3772713"/>
+            <a:ext cx="3600000" cy="360000"/>
+          </a:xfrm>
+          <a:prstGeom prst="straightConnector1">
+            <a:avLst/>
+          </a:prstGeom>
+          <a:ln w="38100">
+            <a:tailEnd type="triangle"/>
+          </a:ln>
+        </p:spPr>
+        <p:style>
+          <a:lnRef idx="1">
+            <a:schemeClr val="accent1"/>
+          </a:lnRef>
+          <a:fillRef idx="0">
+            <a:schemeClr val="accent1"/>
+          </a:fillRef>
+          <a:effectRef idx="0">
+            <a:schemeClr val="accent1"/>
+          </a:effectRef>
+          <a:fontRef idx="minor">
+            <a:schemeClr val="tx1"/>
+          </a:fontRef>
+        </p:style>
+      </p:cxnSp>
+      <p:cxnSp>
+        <p:nvCxnSpPr>
+          <p:cNvPr id="12" name="直線矢印コネクタ 11"/>
+          <p:cNvCxnSpPr/>
+          <p:nvPr/>
+        </p:nvCxnSpPr>
+        <p:spPr>
+          <a:xfrm>
+            <a:off x="3549527" y="4768476"/>
+            <a:ext cx="3600000" cy="360000"/>
+          </a:xfrm>
+          <a:prstGeom prst="straightConnector1">
+            <a:avLst/>
+          </a:prstGeom>
+          <a:ln w="38100">
+            <a:tailEnd type="triangle"/>
+          </a:ln>
+        </p:spPr>
+        <p:style>
+          <a:lnRef idx="1">
+            <a:schemeClr val="accent1"/>
+          </a:lnRef>
+          <a:fillRef idx="0">
+            <a:schemeClr val="accent1"/>
+          </a:fillRef>
+          <a:effectRef idx="0">
+            <a:schemeClr val="accent1"/>
+          </a:effectRef>
+          <a:fontRef idx="minor">
+            <a:schemeClr val="tx1"/>
+          </a:fontRef>
+        </p:style>
+      </p:cxnSp>
+      <p:sp>
+        <p:nvSpPr>
+          <p:cNvPr id="22" name="テキスト ボックス 21"/>
+          <p:cNvSpPr txBox="1"/>
+          <p:nvPr/>
+        </p:nvSpPr>
+        <p:spPr>
+          <a:xfrm>
+            <a:off x="2928523" y="2493851"/>
+            <a:ext cx="495649" cy="369332"/>
+          </a:xfrm>
+          <a:prstGeom prst="rect">
+            <a:avLst/>
+          </a:prstGeom>
+          <a:noFill/>
+        </p:spPr>
+        <p:txBody>
+          <a:bodyPr wrap="none" rtlCol="0">
+            <a:spAutoFit/>
+          </a:bodyPr>
+          <a:lstStyle/>
+          <a:p>
+            <a:r>
+              <a:rPr kumimoji="1" lang="en-US" altLang="ja-JP" i="1" dirty="0" smtClean="0">
+                <a:latin typeface="Times New Roman" panose="02020603050405020304" pitchFamily="18" charset="0"/>
+                <a:cs typeface="Times New Roman" panose="02020603050405020304" pitchFamily="18" charset="0"/>
+              </a:rPr>
+              <a:t>T</a:t>
+            </a:r>
+            <a:r>
+              <a:rPr kumimoji="1" lang="en-US" altLang="ja-JP" i="1" baseline="-25000" dirty="0" smtClean="0">
+                <a:latin typeface="Times New Roman" panose="02020603050405020304" pitchFamily="18" charset="0"/>
+                <a:cs typeface="Times New Roman" panose="02020603050405020304" pitchFamily="18" charset="0"/>
+              </a:rPr>
+              <a:t>SP</a:t>
+            </a:r>
+            <a:endParaRPr kumimoji="1" lang="ja-JP" altLang="en-US" i="1" baseline="-25000" dirty="0">
+              <a:latin typeface="Times New Roman" panose="02020603050405020304" pitchFamily="18" charset="0"/>
+              <a:cs typeface="Times New Roman" panose="02020603050405020304" pitchFamily="18" charset="0"/>
+            </a:endParaRPr>
+          </a:p>
+        </p:txBody>
+      </p:sp>
+      <p:sp>
+        <p:nvSpPr>
+          <p:cNvPr id="23" name="正方形/長方形 22"/>
+          <p:cNvSpPr/>
+          <p:nvPr/>
+        </p:nvSpPr>
+        <p:spPr>
+          <a:xfrm>
+            <a:off x="7257424" y="2807368"/>
+            <a:ext cx="502061" cy="369332"/>
+          </a:xfrm>
+          <a:prstGeom prst="rect">
+            <a:avLst/>
+          </a:prstGeom>
+        </p:spPr>
+        <p:txBody>
+          <a:bodyPr wrap="none">
+            <a:spAutoFit/>
+          </a:bodyPr>
+          <a:lstStyle/>
+          <a:p>
+            <a:r>
+              <a:rPr lang="en-US" altLang="ja-JP" i="1" dirty="0" smtClean="0">
+                <a:latin typeface="Times New Roman" panose="02020603050405020304" pitchFamily="18" charset="0"/>
+                <a:cs typeface="Times New Roman" panose="02020603050405020304" pitchFamily="18" charset="0"/>
+              </a:rPr>
+              <a:t>T</a:t>
+            </a:r>
+            <a:r>
+              <a:rPr lang="en-US" altLang="ja-JP" i="1" baseline="-25000" dirty="0" smtClean="0">
+                <a:latin typeface="Times New Roman" panose="02020603050405020304" pitchFamily="18" charset="0"/>
+                <a:cs typeface="Times New Roman" panose="02020603050405020304" pitchFamily="18" charset="0"/>
+              </a:rPr>
+              <a:t>RP</a:t>
+            </a:r>
+            <a:endParaRPr lang="ja-JP" altLang="en-US" i="1" baseline="-25000" dirty="0">
+              <a:latin typeface="Times New Roman" panose="02020603050405020304" pitchFamily="18" charset="0"/>
+              <a:cs typeface="Times New Roman" panose="02020603050405020304" pitchFamily="18" charset="0"/>
+            </a:endParaRPr>
+          </a:p>
+        </p:txBody>
+      </p:sp>
+      <p:sp>
+        <p:nvSpPr>
+          <p:cNvPr id="24" name="正方形/長方形 23"/>
+          <p:cNvSpPr/>
+          <p:nvPr/>
+        </p:nvSpPr>
+        <p:spPr>
+          <a:xfrm>
+            <a:off x="7266240" y="3550268"/>
+            <a:ext cx="484428" cy="369332"/>
+          </a:xfrm>
+          <a:prstGeom prst="rect">
+            <a:avLst/>
+          </a:prstGeom>
+        </p:spPr>
+        <p:txBody>
+          <a:bodyPr wrap="none">
+            <a:spAutoFit/>
+          </a:bodyPr>
+          <a:lstStyle/>
+          <a:p>
+            <a:r>
+              <a:rPr lang="en-US" altLang="ja-JP" i="1" dirty="0" smtClean="0">
+                <a:latin typeface="Times New Roman" panose="02020603050405020304" pitchFamily="18" charset="0"/>
+                <a:cs typeface="Times New Roman" panose="02020603050405020304" pitchFamily="18" charset="0"/>
+              </a:rPr>
+              <a:t>T</a:t>
+            </a:r>
+            <a:r>
+              <a:rPr lang="en-US" altLang="ja-JP" i="1" baseline="-25000" dirty="0" smtClean="0">
+                <a:latin typeface="Times New Roman" panose="02020603050405020304" pitchFamily="18" charset="0"/>
+                <a:cs typeface="Times New Roman" panose="02020603050405020304" pitchFamily="18" charset="0"/>
+              </a:rPr>
+              <a:t>SR</a:t>
+            </a:r>
+            <a:endParaRPr lang="ja-JP" altLang="en-US" i="1" baseline="-25000" dirty="0">
+              <a:latin typeface="Times New Roman" panose="02020603050405020304" pitchFamily="18" charset="0"/>
+              <a:cs typeface="Times New Roman" panose="02020603050405020304" pitchFamily="18" charset="0"/>
+            </a:endParaRPr>
+          </a:p>
+        </p:txBody>
+      </p:sp>
+      <p:sp>
+        <p:nvSpPr>
+          <p:cNvPr id="25" name="正方形/長方形 24"/>
+          <p:cNvSpPr/>
+          <p:nvPr/>
+        </p:nvSpPr>
+        <p:spPr>
+          <a:xfrm>
+            <a:off x="2925317" y="3782857"/>
+            <a:ext cx="502061" cy="369332"/>
+          </a:xfrm>
+          <a:prstGeom prst="rect">
+            <a:avLst/>
+          </a:prstGeom>
+        </p:spPr>
+        <p:txBody>
+          <a:bodyPr wrap="none">
+            <a:spAutoFit/>
+          </a:bodyPr>
+          <a:lstStyle/>
+          <a:p>
+            <a:r>
+              <a:rPr lang="en-US" altLang="ja-JP" i="1" dirty="0" smtClean="0">
+                <a:latin typeface="Times New Roman" panose="02020603050405020304" pitchFamily="18" charset="0"/>
+                <a:cs typeface="Times New Roman" panose="02020603050405020304" pitchFamily="18" charset="0"/>
+              </a:rPr>
+              <a:t>T</a:t>
+            </a:r>
+            <a:r>
+              <a:rPr lang="en-US" altLang="ja-JP" i="1" baseline="-25000" dirty="0" smtClean="0">
+                <a:latin typeface="Times New Roman" panose="02020603050405020304" pitchFamily="18" charset="0"/>
+                <a:cs typeface="Times New Roman" panose="02020603050405020304" pitchFamily="18" charset="0"/>
+              </a:rPr>
+              <a:t>RR</a:t>
+            </a:r>
+            <a:endParaRPr lang="ja-JP" altLang="en-US" i="1" baseline="-25000" dirty="0">
+              <a:latin typeface="Times New Roman" panose="02020603050405020304" pitchFamily="18" charset="0"/>
+              <a:cs typeface="Times New Roman" panose="02020603050405020304" pitchFamily="18" charset="0"/>
+            </a:endParaRPr>
+          </a:p>
+        </p:txBody>
+      </p:sp>
+      <p:sp>
+        <p:nvSpPr>
+          <p:cNvPr id="26" name="正方形/長方形 25"/>
+          <p:cNvSpPr/>
+          <p:nvPr/>
+        </p:nvSpPr>
+        <p:spPr>
+          <a:xfrm>
+            <a:off x="2934133" y="4479970"/>
+            <a:ext cx="484428" cy="369332"/>
+          </a:xfrm>
+          <a:prstGeom prst="rect">
+            <a:avLst/>
+          </a:prstGeom>
+        </p:spPr>
+        <p:txBody>
+          <a:bodyPr wrap="none">
+            <a:spAutoFit/>
+          </a:bodyPr>
+          <a:lstStyle/>
+          <a:p>
+            <a:r>
+              <a:rPr lang="en-US" altLang="ja-JP" i="1" dirty="0" smtClean="0">
+                <a:latin typeface="Times New Roman" panose="02020603050405020304" pitchFamily="18" charset="0"/>
+                <a:cs typeface="Times New Roman" panose="02020603050405020304" pitchFamily="18" charset="0"/>
+              </a:rPr>
+              <a:t>T</a:t>
+            </a:r>
+            <a:r>
+              <a:rPr lang="en-US" altLang="ja-JP" i="1" baseline="-25000" dirty="0" smtClean="0">
+                <a:latin typeface="Times New Roman" panose="02020603050405020304" pitchFamily="18" charset="0"/>
+                <a:cs typeface="Times New Roman" panose="02020603050405020304" pitchFamily="18" charset="0"/>
+              </a:rPr>
+              <a:t>SF</a:t>
+            </a:r>
+            <a:endParaRPr lang="ja-JP" altLang="en-US" i="1" baseline="-25000" dirty="0">
+              <a:latin typeface="Times New Roman" panose="02020603050405020304" pitchFamily="18" charset="0"/>
+              <a:cs typeface="Times New Roman" panose="02020603050405020304" pitchFamily="18" charset="0"/>
+            </a:endParaRPr>
+          </a:p>
+        </p:txBody>
+      </p:sp>
+      <p:sp>
+        <p:nvSpPr>
+          <p:cNvPr id="27" name="正方形/長方形 26"/>
+          <p:cNvSpPr/>
+          <p:nvPr/>
+        </p:nvSpPr>
+        <p:spPr>
+          <a:xfrm>
+            <a:off x="7257424" y="4895197"/>
+            <a:ext cx="502061" cy="369332"/>
+          </a:xfrm>
+          <a:prstGeom prst="rect">
+            <a:avLst/>
+          </a:prstGeom>
+        </p:spPr>
+        <p:txBody>
+          <a:bodyPr wrap="none">
+            <a:spAutoFit/>
+          </a:bodyPr>
+          <a:lstStyle/>
+          <a:p>
+            <a:r>
+              <a:rPr lang="en-US" altLang="ja-JP" i="1" dirty="0" smtClean="0">
+                <a:latin typeface="Times New Roman" panose="02020603050405020304" pitchFamily="18" charset="0"/>
+                <a:cs typeface="Times New Roman" panose="02020603050405020304" pitchFamily="18" charset="0"/>
+              </a:rPr>
+              <a:t>T</a:t>
+            </a:r>
+            <a:r>
+              <a:rPr lang="en-US" altLang="ja-JP" i="1" baseline="-25000" dirty="0" smtClean="0">
+                <a:latin typeface="Times New Roman" panose="02020603050405020304" pitchFamily="18" charset="0"/>
+                <a:cs typeface="Times New Roman" panose="02020603050405020304" pitchFamily="18" charset="0"/>
+              </a:rPr>
+              <a:t>RF</a:t>
+            </a:r>
+            <a:endParaRPr lang="ja-JP" altLang="en-US" i="1" baseline="-25000" dirty="0">
+              <a:latin typeface="Times New Roman" panose="02020603050405020304" pitchFamily="18" charset="0"/>
+              <a:cs typeface="Times New Roman" panose="02020603050405020304" pitchFamily="18" charset="0"/>
+            </a:endParaRPr>
+          </a:p>
+        </p:txBody>
+      </p:sp>
+      <p:sp>
+        <p:nvSpPr>
+          <p:cNvPr id="28" name="正方形/長方形 27"/>
+          <p:cNvSpPr/>
+          <p:nvPr/>
+        </p:nvSpPr>
+        <p:spPr>
+          <a:xfrm>
+            <a:off x="4888384" y="2473262"/>
+            <a:ext cx="1011815" cy="369332"/>
+          </a:xfrm>
+          <a:prstGeom prst="rect">
+            <a:avLst/>
+          </a:prstGeom>
+        </p:spPr>
+        <p:txBody>
+          <a:bodyPr wrap="none">
+            <a:spAutoFit/>
+          </a:bodyPr>
+          <a:lstStyle/>
+          <a:p>
+            <a:r>
+              <a:rPr lang="en-US" altLang="ja-JP" dirty="0" smtClean="0">
+                <a:latin typeface="Times New Roman" panose="02020603050405020304" pitchFamily="18" charset="0"/>
+                <a:cs typeface="Times New Roman" panose="02020603050405020304" pitchFamily="18" charset="0"/>
+              </a:rPr>
+              <a:t>Poll (ID)</a:t>
+            </a:r>
+            <a:endParaRPr lang="ja-JP" altLang="en-US" dirty="0">
+              <a:latin typeface="Times New Roman" panose="02020603050405020304" pitchFamily="18" charset="0"/>
+              <a:cs typeface="Times New Roman" panose="02020603050405020304" pitchFamily="18" charset="0"/>
+            </a:endParaRPr>
+          </a:p>
+        </p:txBody>
+      </p:sp>
+      <p:sp>
+        <p:nvSpPr>
+          <p:cNvPr id="29" name="正方形/長方形 28"/>
+          <p:cNvSpPr/>
+          <p:nvPr/>
+        </p:nvSpPr>
+        <p:spPr>
+          <a:xfrm>
+            <a:off x="4859529" y="3436203"/>
+            <a:ext cx="1069524" cy="369332"/>
+          </a:xfrm>
+          <a:prstGeom prst="rect">
+            <a:avLst/>
+          </a:prstGeom>
+        </p:spPr>
+        <p:txBody>
+          <a:bodyPr wrap="none">
+            <a:spAutoFit/>
+          </a:bodyPr>
+          <a:lstStyle/>
+          <a:p>
+            <a:r>
+              <a:rPr lang="en-US" altLang="ja-JP" dirty="0" smtClean="0">
+                <a:latin typeface="Times New Roman" panose="02020603050405020304" pitchFamily="18" charset="0"/>
+                <a:cs typeface="Times New Roman" panose="02020603050405020304" pitchFamily="18" charset="0"/>
+              </a:rPr>
+              <a:t>Response</a:t>
+            </a:r>
+            <a:endParaRPr lang="ja-JP" altLang="en-US" dirty="0">
+              <a:latin typeface="Times New Roman" panose="02020603050405020304" pitchFamily="18" charset="0"/>
+              <a:cs typeface="Times New Roman" panose="02020603050405020304" pitchFamily="18" charset="0"/>
+            </a:endParaRPr>
+          </a:p>
+        </p:txBody>
+      </p:sp>
+      <p:sp>
+        <p:nvSpPr>
+          <p:cNvPr id="30" name="正方形/長方形 29"/>
+          <p:cNvSpPr/>
+          <p:nvPr/>
+        </p:nvSpPr>
+        <p:spPr>
+          <a:xfrm>
+            <a:off x="4194636" y="4399144"/>
+            <a:ext cx="2399311" cy="369332"/>
+          </a:xfrm>
+          <a:prstGeom prst="rect">
+            <a:avLst/>
+          </a:prstGeom>
+        </p:spPr>
+        <p:txBody>
+          <a:bodyPr wrap="none">
+            <a:spAutoFit/>
+          </a:bodyPr>
+          <a:lstStyle/>
+          <a:p>
+            <a:r>
+              <a:rPr lang="en-US" altLang="ja-JP" dirty="0" smtClean="0">
+                <a:latin typeface="Times New Roman" panose="02020603050405020304" pitchFamily="18" charset="0"/>
+                <a:cs typeface="Times New Roman" panose="02020603050405020304" pitchFamily="18" charset="0"/>
+              </a:rPr>
+              <a:t>Final (ID, </a:t>
+            </a:r>
+            <a:r>
+              <a:rPr lang="en-US" altLang="ja-JP" i="1" dirty="0" smtClean="0">
+                <a:latin typeface="Times New Roman" panose="02020603050405020304" pitchFamily="18" charset="0"/>
+                <a:cs typeface="Times New Roman" panose="02020603050405020304" pitchFamily="18" charset="0"/>
+              </a:rPr>
+              <a:t>T</a:t>
+            </a:r>
+            <a:r>
+              <a:rPr lang="en-US" altLang="ja-JP" i="1" baseline="-25000" dirty="0" smtClean="0">
+                <a:latin typeface="Times New Roman" panose="02020603050405020304" pitchFamily="18" charset="0"/>
+                <a:cs typeface="Times New Roman" panose="02020603050405020304" pitchFamily="18" charset="0"/>
+              </a:rPr>
+              <a:t>SP</a:t>
+            </a:r>
+            <a:r>
+              <a:rPr lang="en-US" altLang="ja-JP" dirty="0" smtClean="0">
+                <a:latin typeface="Times New Roman" panose="02020603050405020304" pitchFamily="18" charset="0"/>
+                <a:cs typeface="Times New Roman" panose="02020603050405020304" pitchFamily="18" charset="0"/>
+              </a:rPr>
+              <a:t>, </a:t>
+            </a:r>
+            <a:r>
+              <a:rPr lang="en-US" altLang="ja-JP" i="1" dirty="0" smtClean="0">
+                <a:latin typeface="Times New Roman" panose="02020603050405020304" pitchFamily="18" charset="0"/>
+                <a:cs typeface="Times New Roman" panose="02020603050405020304" pitchFamily="18" charset="0"/>
+              </a:rPr>
+              <a:t>T</a:t>
+            </a:r>
+            <a:r>
+              <a:rPr lang="en-US" altLang="ja-JP" i="1" baseline="-25000" dirty="0" smtClean="0">
+                <a:latin typeface="Times New Roman" panose="02020603050405020304" pitchFamily="18" charset="0"/>
+                <a:cs typeface="Times New Roman" panose="02020603050405020304" pitchFamily="18" charset="0"/>
+              </a:rPr>
+              <a:t>RR</a:t>
+            </a:r>
+            <a:r>
+              <a:rPr lang="en-US" altLang="ja-JP" dirty="0" smtClean="0">
+                <a:latin typeface="Times New Roman" panose="02020603050405020304" pitchFamily="18" charset="0"/>
+                <a:cs typeface="Times New Roman" panose="02020603050405020304" pitchFamily="18" charset="0"/>
+              </a:rPr>
+              <a:t>, </a:t>
+            </a:r>
+            <a:r>
+              <a:rPr lang="en-US" altLang="ja-JP" i="1" dirty="0" smtClean="0">
+                <a:latin typeface="Times New Roman" panose="02020603050405020304" pitchFamily="18" charset="0"/>
+                <a:cs typeface="Times New Roman" panose="02020603050405020304" pitchFamily="18" charset="0"/>
+              </a:rPr>
+              <a:t>T</a:t>
+            </a:r>
+            <a:r>
+              <a:rPr lang="en-US" altLang="ja-JP" i="1" baseline="-25000" dirty="0" smtClean="0">
+                <a:latin typeface="Times New Roman" panose="02020603050405020304" pitchFamily="18" charset="0"/>
+                <a:cs typeface="Times New Roman" panose="02020603050405020304" pitchFamily="18" charset="0"/>
+              </a:rPr>
+              <a:t>SF</a:t>
+            </a:r>
+            <a:r>
+              <a:rPr lang="en-US" altLang="ja-JP" dirty="0" smtClean="0">
+                <a:latin typeface="Times New Roman" panose="02020603050405020304" pitchFamily="18" charset="0"/>
+                <a:cs typeface="Times New Roman" panose="02020603050405020304" pitchFamily="18" charset="0"/>
+              </a:rPr>
+              <a:t>)</a:t>
+            </a:r>
+            <a:endParaRPr lang="ja-JP" altLang="en-US" dirty="0">
+              <a:latin typeface="Times New Roman" panose="02020603050405020304" pitchFamily="18" charset="0"/>
+              <a:cs typeface="Times New Roman" panose="02020603050405020304" pitchFamily="18" charset="0"/>
+            </a:endParaRPr>
+          </a:p>
+        </p:txBody>
+      </p:sp>
+    </p:spTree>
+    <p:extLst>
+      <p:ext uri="{BB962C8B-B14F-4D97-AF65-F5344CB8AC3E}">
+        <p14:creationId xmlns:p14="http://schemas.microsoft.com/office/powerpoint/2010/main" val="2715363626"/>
+      </p:ext>
+    </p:extLst>
+  </p:cSld>
+  <p:clrMapOvr>
+    <a:masterClrMapping/>
+  </p:clrMapOvr>
+</p:sld>
+</file>
+
 <file path=ppt/theme/theme1.xml><?xml version="1.0" encoding="utf-8"?>
 <a:theme xmlns:a="http://schemas.openxmlformats.org/drawingml/2006/main" name="Office テーマ">
   <a:themeElements>

--- a/パワポ/fig/quad-rotor.pptx
+++ b/パワポ/fig/quad-rotor.pptx
@@ -245,7 +245,7 @@
           <a:p>
             <a:fld id="{B2167E32-36BD-4F78-9E37-548E2B94B7E6}" type="datetimeFigureOut">
               <a:rPr kumimoji="1" lang="ja-JP" altLang="en-US" smtClean="0"/>
-              <a:t>2019/12/27</a:t>
+              <a:t>2019/12/29</a:t>
             </a:fld>
             <a:endParaRPr kumimoji="1" lang="ja-JP" altLang="en-US"/>
           </a:p>
@@ -447,7 +447,7 @@
           <a:p>
             <a:fld id="{B2167E32-36BD-4F78-9E37-548E2B94B7E6}" type="datetimeFigureOut">
               <a:rPr kumimoji="1" lang="ja-JP" altLang="en-US" smtClean="0"/>
-              <a:t>2019/12/27</a:t>
+              <a:t>2019/12/29</a:t>
             </a:fld>
             <a:endParaRPr kumimoji="1" lang="ja-JP" altLang="en-US"/>
           </a:p>
@@ -659,7 +659,7 @@
           <a:p>
             <a:fld id="{B2167E32-36BD-4F78-9E37-548E2B94B7E6}" type="datetimeFigureOut">
               <a:rPr kumimoji="1" lang="ja-JP" altLang="en-US" smtClean="0"/>
-              <a:t>2019/12/27</a:t>
+              <a:t>2019/12/29</a:t>
             </a:fld>
             <a:endParaRPr kumimoji="1" lang="ja-JP" altLang="en-US"/>
           </a:p>
@@ -861,7 +861,7 @@
           <a:p>
             <a:fld id="{B2167E32-36BD-4F78-9E37-548E2B94B7E6}" type="datetimeFigureOut">
               <a:rPr kumimoji="1" lang="ja-JP" altLang="en-US" smtClean="0"/>
-              <a:t>2019/12/27</a:t>
+              <a:t>2019/12/29</a:t>
             </a:fld>
             <a:endParaRPr kumimoji="1" lang="ja-JP" altLang="en-US"/>
           </a:p>
@@ -1107,7 +1107,7 @@
           <a:p>
             <a:fld id="{B2167E32-36BD-4F78-9E37-548E2B94B7E6}" type="datetimeFigureOut">
               <a:rPr kumimoji="1" lang="ja-JP" altLang="en-US" smtClean="0"/>
-              <a:t>2019/12/27</a:t>
+              <a:t>2019/12/29</a:t>
             </a:fld>
             <a:endParaRPr kumimoji="1" lang="ja-JP" altLang="en-US"/>
           </a:p>
@@ -1403,7 +1403,7 @@
           <a:p>
             <a:fld id="{B2167E32-36BD-4F78-9E37-548E2B94B7E6}" type="datetimeFigureOut">
               <a:rPr kumimoji="1" lang="ja-JP" altLang="en-US" smtClean="0"/>
-              <a:t>2019/12/27</a:t>
+              <a:t>2019/12/29</a:t>
             </a:fld>
             <a:endParaRPr kumimoji="1" lang="ja-JP" altLang="en-US"/>
           </a:p>
@@ -1834,7 +1834,7 @@
           <a:p>
             <a:fld id="{B2167E32-36BD-4F78-9E37-548E2B94B7E6}" type="datetimeFigureOut">
               <a:rPr kumimoji="1" lang="ja-JP" altLang="en-US" smtClean="0"/>
-              <a:t>2019/12/27</a:t>
+              <a:t>2019/12/29</a:t>
             </a:fld>
             <a:endParaRPr kumimoji="1" lang="ja-JP" altLang="en-US"/>
           </a:p>
@@ -1952,7 +1952,7 @@
           <a:p>
             <a:fld id="{B2167E32-36BD-4F78-9E37-548E2B94B7E6}" type="datetimeFigureOut">
               <a:rPr kumimoji="1" lang="ja-JP" altLang="en-US" smtClean="0"/>
-              <a:t>2019/12/27</a:t>
+              <a:t>2019/12/29</a:t>
             </a:fld>
             <a:endParaRPr kumimoji="1" lang="ja-JP" altLang="en-US"/>
           </a:p>
@@ -2047,7 +2047,7 @@
           <a:p>
             <a:fld id="{B2167E32-36BD-4F78-9E37-548E2B94B7E6}" type="datetimeFigureOut">
               <a:rPr kumimoji="1" lang="ja-JP" altLang="en-US" smtClean="0"/>
-              <a:t>2019/12/27</a:t>
+              <a:t>2019/12/29</a:t>
             </a:fld>
             <a:endParaRPr kumimoji="1" lang="ja-JP" altLang="en-US"/>
           </a:p>
@@ -2356,7 +2356,7 @@
           <a:p>
             <a:fld id="{B2167E32-36BD-4F78-9E37-548E2B94B7E6}" type="datetimeFigureOut">
               <a:rPr kumimoji="1" lang="ja-JP" altLang="en-US" smtClean="0"/>
-              <a:t>2019/12/27</a:t>
+              <a:t>2019/12/29</a:t>
             </a:fld>
             <a:endParaRPr kumimoji="1" lang="ja-JP" altLang="en-US"/>
           </a:p>
@@ -2609,7 +2609,7 @@
           <a:p>
             <a:fld id="{B2167E32-36BD-4F78-9E37-548E2B94B7E6}" type="datetimeFigureOut">
               <a:rPr kumimoji="1" lang="ja-JP" altLang="en-US" smtClean="0"/>
-              <a:t>2019/12/27</a:t>
+              <a:t>2019/12/29</a:t>
             </a:fld>
             <a:endParaRPr kumimoji="1" lang="ja-JP" altLang="en-US"/>
           </a:p>
@@ -2854,7 +2854,7 @@
           <a:p>
             <a:fld id="{B2167E32-36BD-4F78-9E37-548E2B94B7E6}" type="datetimeFigureOut">
               <a:rPr kumimoji="1" lang="ja-JP" altLang="en-US" smtClean="0"/>
-              <a:t>2019/12/27</a:t>
+              <a:t>2019/12/29</a:t>
             </a:fld>
             <a:endParaRPr kumimoji="1" lang="ja-JP" altLang="en-US"/>
           </a:p>
@@ -5005,7 +5005,7 @@
         <p:spPr>
           <a:xfrm>
             <a:off x="3564384" y="2237256"/>
-            <a:ext cx="0" cy="3600000"/>
+            <a:ext cx="0" cy="3132000"/>
           </a:xfrm>
           <a:prstGeom prst="line">
             <a:avLst/>
@@ -5036,7 +5036,7 @@
         <p:spPr>
           <a:xfrm flipH="1">
             <a:off x="7134671" y="2237256"/>
-            <a:ext cx="1" cy="3600000"/>
+            <a:ext cx="1" cy="3132000"/>
           </a:xfrm>
           <a:prstGeom prst="line">
             <a:avLst/>
